--- a/part4.pptx
+++ b/part4.pptx
@@ -4760,14 +4760,14 @@
             <a:pPr lvl="1"/>
             <a:r>
               <a:rPr lang="en-US" dirty="0"/>
-              <a:t>Expand to more areas in the metropolitan area and eventually to other cities in the country.</a:t>
+              <a:t>Expand to more areas in the metropolitan area and eventually to other cities and rural areas in the country.</a:t>
             </a:r>
           </a:p>
           <a:p>
             <a:pPr lvl="1"/>
             <a:r>
               <a:rPr lang="en-US" dirty="0"/>
-              <a:t>Look at data from other years- how does weather change and how (if at all) does this affect beer consumption?</a:t>
+              <a:t>Look at data from other years- how does weather change and how does this affect beer consumption?</a:t>
             </a:r>
           </a:p>
           <a:p>
@@ -4888,6 +4888,12 @@
             <a:r>
               <a:rPr lang="en-US" dirty="0"/>
               <a:t>Beer is the most consumed alcoholic beverage in Brazil.</a:t>
+            </a:r>
+          </a:p>
+          <a:p>
+            <a:r>
+              <a:rPr lang="en-US" dirty="0"/>
+              <a:t>Brazil is the third largest beer producer in the world.</a:t>
             </a:r>
           </a:p>
           <a:p>

--- a/part4.pptx
+++ b/part4.pptx
@@ -4604,7 +4604,7 @@
           <a:p>
             <a:r>
               <a:rPr lang="en-US" dirty="0"/>
-              <a:t>This model can help the Brazilian government predict beer consumption with an accuracy of 72.4%.</a:t>
+              <a:t>This model can help the Brazilian government predict beer consumption with an R-squared value of 0.724.</a:t>
             </a:r>
           </a:p>
           <a:p>
@@ -5692,6 +5692,12 @@
             <a:r>
               <a:rPr lang="en-US" dirty="0"/>
               <a:t>The success metric is limited to the ability to predict the amount of beer consumed in Sao Paulo and whether there is a trend in the data based on the feature columns.</a:t>
+            </a:r>
+          </a:p>
+          <a:p>
+            <a:r>
+              <a:rPr lang="en-US" dirty="0"/>
+              <a:t>Look at R-squared test set values.</a:t>
             </a:r>
           </a:p>
           <a:p>

--- a/part4.pptx
+++ b/part4.pptx
@@ -4345,19 +4345,61 @@
           <a:p>
             <a:r>
               <a:rPr lang="en-US" dirty="0"/>
-              <a:t>Linear regression:  0.724</a:t>
-            </a:r>
-          </a:p>
-          <a:p>
+              <a:t>Linear regression:  </a:t>
+            </a:r>
+          </a:p>
+          <a:p>
+            <a:pPr lvl="1"/>
             <a:r>
               <a:rPr lang="en-US" dirty="0"/>
-              <a:t>Decision tree: 0.553</a:t>
-            </a:r>
-          </a:p>
-          <a:p>
+              <a:t>R-squared test value: 0.724</a:t>
+            </a:r>
+          </a:p>
+          <a:p>
+            <a:pPr lvl="1"/>
             <a:r>
               <a:rPr lang="en-US" dirty="0"/>
-              <a:t>Random forest: 0.700</a:t>
+              <a:t>RMSE test value: 2.28</a:t>
+            </a:r>
+          </a:p>
+          <a:p>
+            <a:r>
+              <a:rPr lang="en-US" dirty="0"/>
+              <a:t>Decision tree:</a:t>
+            </a:r>
+          </a:p>
+          <a:p>
+            <a:pPr lvl="1"/>
+            <a:r>
+              <a:rPr lang="en-US" dirty="0"/>
+              <a:t>R-squared test value: 0.553</a:t>
+            </a:r>
+          </a:p>
+          <a:p>
+            <a:pPr lvl="1"/>
+            <a:r>
+              <a:rPr lang="en-US" dirty="0"/>
+              <a:t>RMSE test value: 2.90</a:t>
+            </a:r>
+          </a:p>
+          <a:p>
+            <a:r>
+              <a:rPr lang="en-US" dirty="0"/>
+              <a:t>Random forest:</a:t>
+            </a:r>
+          </a:p>
+          <a:p>
+            <a:pPr lvl="1"/>
+            <a:r>
+              <a:rPr lang="en-US" dirty="0"/>
+              <a:t>R-squared test value: 0.700</a:t>
+            </a:r>
+          </a:p>
+          <a:p>
+            <a:pPr lvl="1"/>
+            <a:r>
+              <a:rPr lang="en-US" dirty="0"/>
+              <a:t>RMSE test value: 2.38</a:t>
             </a:r>
           </a:p>
         </p:txBody>
@@ -5697,7 +5739,7 @@
           <a:p>
             <a:r>
               <a:rPr lang="en-US" dirty="0"/>
-              <a:t>Look at R-squared test set values.</a:t>
+              <a:t>Look at R-squared test set values and RMSE values.</a:t>
             </a:r>
           </a:p>
           <a:p>
